--- a/code/ref.pptx
+++ b/code/ref.pptx
@@ -105,6 +105,11 @@
       </a:defRPr>
     </a:lvl9pPr>
   </p:defaultTextStyle>
+  <p:extLst>
+    <p:ext uri="{EFAFB233-063F-42B5-8137-9DF3F51BA10A}">
+      <p15:sldGuideLst xmlns:p15="http://schemas.microsoft.com/office/powerpoint/2012/main"/>
+    </p:ext>
+  </p:extLst>
 </p:presentation>
 </file>
 
@@ -8901,7 +8906,7 @@
           <a:p>
             <a:fld id="{54258D66-368D-1D4D-B814-27E4CF3CE5E0}" type="datetimeFigureOut">
               <a:rPr lang="it-IT" smtClean="0"/>
-              <a:t>21/06/23</a:t>
+              <a:t>22/06/23</a:t>
             </a:fld>
             <a:endParaRPr lang="it-IT"/>
           </a:p>
@@ -8986,6 +8991,36 @@
           </a:fontRef>
         </p:style>
       </p:cxnSp>
+      <p:pic>
+        <p:nvPicPr>
+          <p:cNvPr id="9" name="Immagine 8" descr="Immagine che contiene testo, schermata, Carattere, logo&#10;&#10;Descrizione generata automaticamente">
+            <a:extLst>
+              <a:ext uri="{FF2B5EF4-FFF2-40B4-BE49-F238E27FC236}">
+                <a16:creationId xmlns:a16="http://schemas.microsoft.com/office/drawing/2014/main" id="{8F95F813-907C-899A-0D52-BF5095AD2ACD}"/>
+              </a:ext>
+            </a:extLst>
+          </p:cNvPr>
+          <p:cNvPicPr>
+            <a:picLocks noChangeAspect="1"/>
+          </p:cNvPicPr>
+          <p:nvPr userDrawn="1"/>
+        </p:nvPicPr>
+        <p:blipFill>
+          <a:blip r:embed="rId2"/>
+          <a:stretch>
+            <a:fillRect/>
+          </a:stretch>
+        </p:blipFill>
+        <p:spPr>
+          <a:xfrm>
+            <a:off x="11225048" y="53814"/>
+            <a:ext cx="849476" cy="852012"/>
+          </a:xfrm>
+          <a:prstGeom prst="rect">
+            <a:avLst/>
+          </a:prstGeom>
+        </p:spPr>
+      </p:pic>
     </p:spTree>
     <p:extLst>
       <p:ext uri="{BB962C8B-B14F-4D97-AF65-F5344CB8AC3E}">
@@ -9108,7 +9143,7 @@
           <a:p>
             <a:fld id="{54258D66-368D-1D4D-B814-27E4CF3CE5E0}" type="datetimeFigureOut">
               <a:rPr lang="it-IT" smtClean="0"/>
-              <a:t>21/06/23</a:t>
+              <a:t>22/06/23</a:t>
             </a:fld>
             <a:endParaRPr lang="it-IT"/>
           </a:p>
@@ -9288,7 +9323,7 @@
           <a:p>
             <a:fld id="{54258D66-368D-1D4D-B814-27E4CF3CE5E0}" type="datetimeFigureOut">
               <a:rPr lang="it-IT" smtClean="0"/>
-              <a:t>21/06/23</a:t>
+              <a:t>22/06/23</a:t>
             </a:fld>
             <a:endParaRPr lang="it-IT"/>
           </a:p>
@@ -9493,7 +9528,7 @@
           <a:p>
             <a:fld id="{54258D66-368D-1D4D-B814-27E4CF3CE5E0}" type="datetimeFigureOut">
               <a:rPr lang="it-IT" smtClean="0"/>
-              <a:t>21/06/23</a:t>
+              <a:t>22/06/23</a:t>
             </a:fld>
             <a:endParaRPr lang="it-IT"/>
           </a:p>
@@ -9541,6 +9576,36 @@
           </a:p>
         </p:txBody>
       </p:sp>
+      <p:pic>
+        <p:nvPicPr>
+          <p:cNvPr id="8" name="Immagine 7" descr="Immagine che contiene testo, schermata, Carattere, logo&#10;&#10;Descrizione generata automaticamente">
+            <a:extLst>
+              <a:ext uri="{FF2B5EF4-FFF2-40B4-BE49-F238E27FC236}">
+                <a16:creationId xmlns:a16="http://schemas.microsoft.com/office/drawing/2014/main" id="{0906AF37-EC48-0B2B-6821-953D9F54EEDD}"/>
+              </a:ext>
+            </a:extLst>
+          </p:cNvPr>
+          <p:cNvPicPr>
+            <a:picLocks noChangeAspect="1"/>
+          </p:cNvPicPr>
+          <p:nvPr userDrawn="1"/>
+        </p:nvPicPr>
+        <p:blipFill>
+          <a:blip r:embed="rId2"/>
+          <a:stretch>
+            <a:fillRect/>
+          </a:stretch>
+        </p:blipFill>
+        <p:spPr>
+          <a:xfrm>
+            <a:off x="11324166" y="112976"/>
+            <a:ext cx="787083" cy="789432"/>
+          </a:xfrm>
+          <a:prstGeom prst="rect">
+            <a:avLst/>
+          </a:prstGeom>
+        </p:spPr>
+      </p:pic>
     </p:spTree>
     <p:extLst>
       <p:ext uri="{BB962C8B-B14F-4D97-AF65-F5344CB8AC3E}">
@@ -18391,7 +18456,7 @@
           <a:p>
             <a:fld id="{54258D66-368D-1D4D-B814-27E4CF3CE5E0}" type="datetimeFigureOut">
               <a:rPr lang="it-IT" smtClean="0"/>
-              <a:t>21/06/23</a:t>
+              <a:t>22/06/23</a:t>
             </a:fld>
             <a:endParaRPr lang="it-IT"/>
           </a:p>
@@ -18665,7 +18730,7 @@
           <a:p>
             <a:fld id="{54258D66-368D-1D4D-B814-27E4CF3CE5E0}" type="datetimeFigureOut">
               <a:rPr lang="it-IT" smtClean="0"/>
-              <a:t>21/06/23</a:t>
+              <a:t>22/06/23</a:t>
             </a:fld>
             <a:endParaRPr lang="it-IT"/>
           </a:p>
@@ -19063,7 +19128,7 @@
           <a:p>
             <a:fld id="{54258D66-368D-1D4D-B814-27E4CF3CE5E0}" type="datetimeFigureOut">
               <a:rPr lang="it-IT" smtClean="0"/>
-              <a:t>21/06/23</a:t>
+              <a:t>22/06/23</a:t>
             </a:fld>
             <a:endParaRPr lang="it-IT"/>
           </a:p>
@@ -19181,7 +19246,7 @@
           <a:p>
             <a:fld id="{54258D66-368D-1D4D-B814-27E4CF3CE5E0}" type="datetimeFigureOut">
               <a:rPr lang="it-IT" smtClean="0"/>
-              <a:t>21/06/23</a:t>
+              <a:t>22/06/23</a:t>
             </a:fld>
             <a:endParaRPr lang="it-IT"/>
           </a:p>
@@ -19276,7 +19341,7 @@
           <a:p>
             <a:fld id="{54258D66-368D-1D4D-B814-27E4CF3CE5E0}" type="datetimeFigureOut">
               <a:rPr lang="it-IT" smtClean="0"/>
-              <a:t>21/06/23</a:t>
+              <a:t>22/06/23</a:t>
             </a:fld>
             <a:endParaRPr lang="it-IT"/>
           </a:p>
@@ -19566,7 +19631,7 @@
           <a:p>
             <a:fld id="{54258D66-368D-1D4D-B814-27E4CF3CE5E0}" type="datetimeFigureOut">
               <a:rPr lang="it-IT" smtClean="0"/>
-              <a:t>21/06/23</a:t>
+              <a:t>22/06/23</a:t>
             </a:fld>
             <a:endParaRPr lang="it-IT"/>
           </a:p>
@@ -19846,7 +19911,7 @@
           <a:p>
             <a:fld id="{54258D66-368D-1D4D-B814-27E4CF3CE5E0}" type="datetimeFigureOut">
               <a:rPr lang="it-IT" smtClean="0"/>
-              <a:t>21/06/23</a:t>
+              <a:t>22/06/23</a:t>
             </a:fld>
             <a:endParaRPr lang="it-IT"/>
           </a:p>
@@ -20096,7 +20161,7 @@
           <a:p>
             <a:fld id="{54258D66-368D-1D4D-B814-27E4CF3CE5E0}" type="datetimeFigureOut">
               <a:rPr lang="it-IT" smtClean="0"/>
-              <a:t>21/06/23</a:t>
+              <a:t>22/06/23</a:t>
             </a:fld>
             <a:endParaRPr lang="it-IT"/>
           </a:p>
@@ -20619,7 +20684,7 @@
           <a:bodyPr/>
           <a:lstStyle/>
           <a:p>
-            <a:endParaRPr lang="it-IT"/>
+            <a:endParaRPr lang="it-IT" dirty="0"/>
           </a:p>
         </p:txBody>
       </p:sp>
